--- a/bp219-presentation-asa.pptx
+++ b/bp219-presentation-asa.pptx
@@ -5021,14 +5021,46 @@
           <a:lstStyle/>
           <a:p>
             <a:r>
+              <a:rPr lang="en-US" dirty="0">
+                <a:highlight>
+                  <a:srgbClr val="00FF00"/>
+                </a:highlight>
+              </a:rPr>
+              <a:t>HIS</a:t>
+            </a:r>
+            <a:r>
               <a:rPr lang="en-US" dirty="0"/>
-              <a:t>HIS &lt;-&gt; GLU</a:t>
-            </a:r>
-          </a:p>
-          <a:p>
+              <a:t> &lt;-&gt; </a:t>
+            </a:r>
+            <a:r>
+              <a:rPr lang="en-US" dirty="0">
+                <a:highlight>
+                  <a:srgbClr val="FF0000"/>
+                </a:highlight>
+              </a:rPr>
+              <a:t>GLU</a:t>
+            </a:r>
+          </a:p>
+          <a:p>
+            <a:r>
+              <a:rPr lang="en-US" dirty="0">
+                <a:highlight>
+                  <a:srgbClr val="FF0000"/>
+                </a:highlight>
+              </a:rPr>
+              <a:t>GLU</a:t>
+            </a:r>
             <a:r>
               <a:rPr lang="en-US" dirty="0"/>
-              <a:t>GLU &lt;-&gt; GLU</a:t>
+              <a:t> &lt;-&gt; </a:t>
+            </a:r>
+            <a:r>
+              <a:rPr lang="en-US" dirty="0">
+                <a:highlight>
+                  <a:srgbClr val="FF0000"/>
+                </a:highlight>
+              </a:rPr>
+              <a:t>GLU</a:t>
             </a:r>
           </a:p>
         </p:txBody>
@@ -5062,20 +5094,60 @@
           <a:lstStyle/>
           <a:p>
             <a:r>
+              <a:rPr lang="en-US" dirty="0">
+                <a:highlight>
+                  <a:srgbClr val="00FF00"/>
+                </a:highlight>
+              </a:rPr>
+              <a:t>HIS</a:t>
+            </a:r>
+            <a:r>
               <a:rPr lang="en-US" dirty="0"/>
-              <a:t>HIS &lt;-&gt; ASP</a:t>
-            </a:r>
-          </a:p>
-          <a:p>
+              <a:t> &lt;-&gt; </a:t>
+            </a:r>
+            <a:r>
+              <a:rPr lang="en-US" dirty="0">
+                <a:highlight>
+                  <a:srgbClr val="FF0000"/>
+                </a:highlight>
+              </a:rPr>
+              <a:t>ASP</a:t>
+            </a:r>
+          </a:p>
+          <a:p>
+            <a:r>
+              <a:rPr lang="en-US" dirty="0">
+                <a:highlight>
+                  <a:srgbClr val="00FF00"/>
+                </a:highlight>
+              </a:rPr>
+              <a:t>HIS</a:t>
+            </a:r>
             <a:r>
               <a:rPr lang="en-US" dirty="0"/>
-              <a:t>HIS &lt;-&gt; THR</a:t>
+              <a:t> &lt;-&gt; </a:t>
+            </a:r>
+            <a:r>
+              <a:rPr lang="en-US" dirty="0">
+                <a:highlight>
+                  <a:srgbClr val="FFFF00"/>
+                </a:highlight>
+              </a:rPr>
+              <a:t>THR</a:t>
             </a:r>
           </a:p>
           <a:p>
             <a:r>
               <a:rPr lang="en-US" dirty="0"/>
-              <a:t>PRO &lt;-&gt; ASP</a:t>
+              <a:t>PRO &lt;-&gt; </a:t>
+            </a:r>
+            <a:r>
+              <a:rPr lang="en-US" dirty="0">
+                <a:highlight>
+                  <a:srgbClr val="FFFF00"/>
+                </a:highlight>
+              </a:rPr>
+              <a:t>ASP</a:t>
             </a:r>
           </a:p>
         </p:txBody>
@@ -5124,6 +5196,97 @@
           </a:fontRef>
         </p:style>
       </p:cxnSp>
+      <p:sp>
+        <p:nvSpPr>
+          <p:cNvPr id="20" name="TextBox 19">
+            <a:extLst>
+              <a:ext uri="{FF2B5EF4-FFF2-40B4-BE49-F238E27FC236}">
+                <a16:creationId xmlns:a16="http://schemas.microsoft.com/office/drawing/2014/main" id="{0257C70F-4AF0-FAE1-B973-BE9595DBAFB2}"/>
+              </a:ext>
+            </a:extLst>
+          </p:cNvPr>
+          <p:cNvSpPr txBox="1"/>
+          <p:nvPr/>
+        </p:nvSpPr>
+        <p:spPr>
+          <a:xfrm>
+            <a:off x="8694821" y="609600"/>
+            <a:ext cx="184731" cy="369332"/>
+          </a:xfrm>
+          <a:prstGeom prst="rect">
+            <a:avLst/>
+          </a:prstGeom>
+          <a:noFill/>
+        </p:spPr>
+        <p:txBody>
+          <a:bodyPr wrap="none" rtlCol="0">
+            <a:spAutoFit/>
+          </a:bodyPr>
+          <a:lstStyle/>
+          <a:p>
+            <a:endParaRPr lang="en-US" dirty="0"/>
+          </a:p>
+        </p:txBody>
+      </p:sp>
+      <p:sp>
+        <p:nvSpPr>
+          <p:cNvPr id="21" name="TextBox 20">
+            <a:extLst>
+              <a:ext uri="{FF2B5EF4-FFF2-40B4-BE49-F238E27FC236}">
+                <a16:creationId xmlns:a16="http://schemas.microsoft.com/office/drawing/2014/main" id="{8CAA0603-9E55-2385-2FDB-8740BA925EB3}"/>
+              </a:ext>
+            </a:extLst>
+          </p:cNvPr>
+          <p:cNvSpPr txBox="1"/>
+          <p:nvPr/>
+        </p:nvSpPr>
+        <p:spPr>
+          <a:xfrm>
+            <a:off x="9776210" y="5884959"/>
+            <a:ext cx="2415790" cy="923330"/>
+          </a:xfrm>
+          <a:prstGeom prst="rect">
+            <a:avLst/>
+          </a:prstGeom>
+          <a:noFill/>
+        </p:spPr>
+        <p:txBody>
+          <a:bodyPr wrap="none" rtlCol="0">
+            <a:spAutoFit/>
+          </a:bodyPr>
+          <a:lstStyle/>
+          <a:p>
+            <a:r>
+              <a:rPr lang="en-US" dirty="0">
+                <a:highlight>
+                  <a:srgbClr val="00FF00"/>
+                </a:highlight>
+              </a:rPr>
+              <a:t>(+) charged amino acids</a:t>
+            </a:r>
+          </a:p>
+          <a:p>
+            <a:r>
+              <a:rPr lang="en-US" dirty="0">
+                <a:highlight>
+                  <a:srgbClr val="FF0000"/>
+                </a:highlight>
+              </a:rPr>
+              <a:t>(-) charged amino acids</a:t>
+            </a:r>
+          </a:p>
+          <a:p>
+            <a:r>
+              <a:rPr lang="en-US" dirty="0">
+                <a:highlight>
+                  <a:srgbClr val="FFFF00"/>
+                </a:highlight>
+              </a:rPr>
+              <a:t>Polar uncharged</a:t>
+            </a:r>
+          </a:p>
+        </p:txBody>
+      </p:sp>
     </p:spTree>
     <p:extLst>
       <p:ext uri="{BB962C8B-B14F-4D97-AF65-F5344CB8AC3E}">

--- a/bp219-presentation-asa.pptx
+++ b/bp219-presentation-asa.pptx
@@ -3869,10 +3869,10 @@
       </p:sp>
       <p:pic>
         <p:nvPicPr>
-          <p:cNvPr id="1034" name="Picture 10">
-            <a:extLst>
-              <a:ext uri="{FF2B5EF4-FFF2-40B4-BE49-F238E27FC236}">
-                <a16:creationId xmlns:a16="http://schemas.microsoft.com/office/drawing/2014/main" id="{DD33C49E-6094-8FE6-8DAF-EBD93F070D7B}"/>
+          <p:cNvPr id="1036" name="Picture 12">
+            <a:extLst>
+              <a:ext uri="{FF2B5EF4-FFF2-40B4-BE49-F238E27FC236}">
+                <a16:creationId xmlns:a16="http://schemas.microsoft.com/office/drawing/2014/main" id="{074969C5-D6F3-AA21-7DEC-5D2D1CFDC38C}"/>
               </a:ext>
             </a:extLst>
           </p:cNvPr>
@@ -3896,8 +3896,8 @@
         </p:blipFill>
         <p:spPr bwMode="auto">
           <a:xfrm>
-            <a:off x="4658046" y="1473550"/>
-            <a:ext cx="7079275" cy="5355949"/>
+            <a:off x="4658046" y="1371600"/>
+            <a:ext cx="7251700" cy="5486400"/>
           </a:xfrm>
           <a:prstGeom prst="rect">
             <a:avLst/>
@@ -4013,10 +4013,10 @@
       </p:sp>
       <p:pic>
         <p:nvPicPr>
-          <p:cNvPr id="15" name="Picture 6">
-            <a:extLst>
-              <a:ext uri="{FF2B5EF4-FFF2-40B4-BE49-F238E27FC236}">
-                <a16:creationId xmlns:a16="http://schemas.microsoft.com/office/drawing/2014/main" id="{1F812609-0E09-7DAE-CC7E-431CB0B39D8A}"/>
+          <p:cNvPr id="10242" name="Picture 2">
+            <a:extLst>
+              <a:ext uri="{FF2B5EF4-FFF2-40B4-BE49-F238E27FC236}">
+                <a16:creationId xmlns:a16="http://schemas.microsoft.com/office/drawing/2014/main" id="{FDA9368D-B1FF-379C-CEAF-260E85FD0AB3}"/>
               </a:ext>
             </a:extLst>
           </p:cNvPr>
@@ -4040,8 +4040,8 @@
         </p:blipFill>
         <p:spPr bwMode="auto">
           <a:xfrm>
-            <a:off x="4959004" y="1143039"/>
-            <a:ext cx="6734028" cy="5403850"/>
+            <a:off x="4991100" y="1027906"/>
+            <a:ext cx="7200900" cy="5778500"/>
           </a:xfrm>
           <a:prstGeom prst="rect">
             <a:avLst/>
